--- a/Figures_Edison_paper.pptx
+++ b/Figures_Edison_paper.pptx
@@ -111,6 +111,22 @@
       </a:defRPr>
     </a:lvl9pPr>
   </p:defaultTextStyle>
+  <p:extLst>
+    <p:ext uri="{EFAFB233-063F-42B5-8137-9DF3F51BA10A}">
+      <p15:sldGuideLst xmlns:p15="http://schemas.microsoft.com/office/powerpoint/2012/main">
+        <p15:guide id="1" orient="horz" pos="2160">
+          <p15:clr>
+            <a:srgbClr val="A4A3A4"/>
+          </p15:clr>
+        </p15:guide>
+        <p15:guide id="2" pos="2925">
+          <p15:clr>
+            <a:srgbClr val="A4A3A4"/>
+          </p15:clr>
+        </p15:guide>
+      </p15:sldGuideLst>
+    </p:ext>
+  </p:extLst>
 </p:presentation>
 </file>
 
@@ -262,35 +278,35 @@
           <a:p>
             <a:pPr lvl="0"/>
             <a:r>
-              <a:rPr lang="en-US" smtClean="0"/>
+              <a:rPr lang="en-US"/>
               <a:t>Click to edit Master text styles</a:t>
             </a:r>
           </a:p>
           <a:p>
             <a:pPr lvl="1"/>
             <a:r>
-              <a:rPr lang="en-US" smtClean="0"/>
+              <a:rPr lang="en-US"/>
               <a:t>Second level</a:t>
             </a:r>
           </a:p>
           <a:p>
             <a:pPr lvl="2"/>
             <a:r>
-              <a:rPr lang="en-US" smtClean="0"/>
+              <a:rPr lang="en-US"/>
               <a:t>Third level</a:t>
             </a:r>
           </a:p>
           <a:p>
             <a:pPr lvl="3"/>
             <a:r>
-              <a:rPr lang="en-US" smtClean="0"/>
+              <a:rPr lang="en-US"/>
               <a:t>Fourth level</a:t>
             </a:r>
           </a:p>
           <a:p>
             <a:pPr lvl="4"/>
             <a:r>
-              <a:rPr lang="en-US" smtClean="0"/>
+              <a:rPr lang="en-US"/>
               <a:t>Fifth level</a:t>
             </a:r>
             <a:endParaRPr lang="en-GB"/>
@@ -357,7 +373,7 @@
           <a:p>
             <a:fld id="{43C9BCA1-3D61-4D14-9FC1-6777E582235B}" type="slidenum">
               <a:rPr lang="en-GB" smtClean="0"/>
-              <a:t>‹#›</a:t>
+              <a:t>‹N°›</a:t>
             </a:fld>
             <a:endParaRPr lang="en-GB"/>
           </a:p>
@@ -661,7 +677,7 @@
           <a:lstStyle/>
           <a:p>
             <a:r>
-              <a:rPr lang="en-US" smtClean="0"/>
+              <a:rPr lang="en-US"/>
               <a:t>Click to edit Master title style</a:t>
             </a:r>
             <a:endParaRPr lang="en-GB"/>
@@ -780,7 +796,7 @@
           </a:lstStyle>
           <a:p>
             <a:r>
-              <a:rPr lang="en-US" smtClean="0"/>
+              <a:rPr lang="en-US"/>
               <a:t>Click to edit Master subtitle style</a:t>
             </a:r>
             <a:endParaRPr lang="en-GB"/>
@@ -848,7 +864,7 @@
             <a:fld id="{A3CA8C23-D56E-4B5C-ADF9-974C318715BC}" type="slidenum">
               <a:rPr lang="en-GB" smtClean="0"/>
               <a:pPr/>
-              <a:t>‹#›</a:t>
+              <a:t>‹N°›</a:t>
             </a:fld>
             <a:endParaRPr lang="en-GB"/>
           </a:p>
@@ -895,7 +911,7 @@
           <a:lstStyle/>
           <a:p>
             <a:r>
-              <a:rPr lang="en-US" smtClean="0"/>
+              <a:rPr lang="en-US"/>
               <a:t>Click to edit Master title style</a:t>
             </a:r>
             <a:endParaRPr lang="en-GB"/>
@@ -919,35 +935,35 @@
           <a:p>
             <a:pPr lvl="0"/>
             <a:r>
-              <a:rPr lang="en-US" smtClean="0"/>
+              <a:rPr lang="en-US"/>
               <a:t>Click to edit Master text styles</a:t>
             </a:r>
           </a:p>
           <a:p>
             <a:pPr lvl="1"/>
             <a:r>
-              <a:rPr lang="en-US" smtClean="0"/>
+              <a:rPr lang="en-US"/>
               <a:t>Second level</a:t>
             </a:r>
           </a:p>
           <a:p>
             <a:pPr lvl="2"/>
             <a:r>
-              <a:rPr lang="en-US" smtClean="0"/>
+              <a:rPr lang="en-US"/>
               <a:t>Third level</a:t>
             </a:r>
           </a:p>
           <a:p>
             <a:pPr lvl="3"/>
             <a:r>
-              <a:rPr lang="en-US" smtClean="0"/>
+              <a:rPr lang="en-US"/>
               <a:t>Fourth level</a:t>
             </a:r>
           </a:p>
           <a:p>
             <a:pPr lvl="4"/>
             <a:r>
-              <a:rPr lang="en-US" smtClean="0"/>
+              <a:rPr lang="en-US"/>
               <a:t>Fifth level</a:t>
             </a:r>
             <a:endParaRPr lang="en-GB"/>
@@ -1015,7 +1031,7 @@
             <a:fld id="{A3CA8C23-D56E-4B5C-ADF9-974C318715BC}" type="slidenum">
               <a:rPr lang="en-GB" smtClean="0"/>
               <a:pPr/>
-              <a:t>‹#›</a:t>
+              <a:t>‹N°›</a:t>
             </a:fld>
             <a:endParaRPr lang="en-GB"/>
           </a:p>
@@ -1067,7 +1083,7 @@
           <a:lstStyle/>
           <a:p>
             <a:r>
-              <a:rPr lang="en-US" smtClean="0"/>
+              <a:rPr lang="en-US"/>
               <a:t>Click to edit Master title style</a:t>
             </a:r>
             <a:endParaRPr lang="en-GB"/>
@@ -1096,35 +1112,35 @@
           <a:p>
             <a:pPr lvl="0"/>
             <a:r>
-              <a:rPr lang="en-US" smtClean="0"/>
+              <a:rPr lang="en-US"/>
               <a:t>Click to edit Master text styles</a:t>
             </a:r>
           </a:p>
           <a:p>
             <a:pPr lvl="1"/>
             <a:r>
-              <a:rPr lang="en-US" smtClean="0"/>
+              <a:rPr lang="en-US"/>
               <a:t>Second level</a:t>
             </a:r>
           </a:p>
           <a:p>
             <a:pPr lvl="2"/>
             <a:r>
-              <a:rPr lang="en-US" smtClean="0"/>
+              <a:rPr lang="en-US"/>
               <a:t>Third level</a:t>
             </a:r>
           </a:p>
           <a:p>
             <a:pPr lvl="3"/>
             <a:r>
-              <a:rPr lang="en-US" smtClean="0"/>
+              <a:rPr lang="en-US"/>
               <a:t>Fourth level</a:t>
             </a:r>
           </a:p>
           <a:p>
             <a:pPr lvl="4"/>
             <a:r>
-              <a:rPr lang="en-US" smtClean="0"/>
+              <a:rPr lang="en-US"/>
               <a:t>Fifth level</a:t>
             </a:r>
             <a:endParaRPr lang="en-GB"/>
@@ -1192,7 +1208,7 @@
             <a:fld id="{A3CA8C23-D56E-4B5C-ADF9-974C318715BC}" type="slidenum">
               <a:rPr lang="en-GB" smtClean="0"/>
               <a:pPr/>
-              <a:t>‹#›</a:t>
+              <a:t>‹N°›</a:t>
             </a:fld>
             <a:endParaRPr lang="en-GB"/>
           </a:p>
@@ -1239,7 +1255,7 @@
           <a:lstStyle/>
           <a:p>
             <a:r>
-              <a:rPr lang="en-US" smtClean="0"/>
+              <a:rPr lang="en-US"/>
               <a:t>Click to edit Master title style</a:t>
             </a:r>
             <a:endParaRPr lang="en-GB"/>
@@ -1263,35 +1279,35 @@
           <a:p>
             <a:pPr lvl="0"/>
             <a:r>
-              <a:rPr lang="en-US" smtClean="0"/>
+              <a:rPr lang="en-US"/>
               <a:t>Click to edit Master text styles</a:t>
             </a:r>
           </a:p>
           <a:p>
             <a:pPr lvl="1"/>
             <a:r>
-              <a:rPr lang="en-US" smtClean="0"/>
+              <a:rPr lang="en-US"/>
               <a:t>Second level</a:t>
             </a:r>
           </a:p>
           <a:p>
             <a:pPr lvl="2"/>
             <a:r>
-              <a:rPr lang="en-US" smtClean="0"/>
+              <a:rPr lang="en-US"/>
               <a:t>Third level</a:t>
             </a:r>
           </a:p>
           <a:p>
             <a:pPr lvl="3"/>
             <a:r>
-              <a:rPr lang="en-US" smtClean="0"/>
+              <a:rPr lang="en-US"/>
               <a:t>Fourth level</a:t>
             </a:r>
           </a:p>
           <a:p>
             <a:pPr lvl="4"/>
             <a:r>
-              <a:rPr lang="en-US" smtClean="0"/>
+              <a:rPr lang="en-US"/>
               <a:t>Fifth level</a:t>
             </a:r>
             <a:endParaRPr lang="en-GB"/>
@@ -1359,7 +1375,7 @@
             <a:fld id="{A3CA8C23-D56E-4B5C-ADF9-974C318715BC}" type="slidenum">
               <a:rPr lang="en-GB" smtClean="0"/>
               <a:pPr/>
-              <a:t>‹#›</a:t>
+              <a:t>‹N°›</a:t>
             </a:fld>
             <a:endParaRPr lang="en-GB"/>
           </a:p>
@@ -1415,7 +1431,7 @@
           </a:lstStyle>
           <a:p>
             <a:r>
-              <a:rPr lang="en-US" smtClean="0"/>
+              <a:rPr lang="en-US"/>
               <a:t>Click to edit Master title style</a:t>
             </a:r>
             <a:endParaRPr lang="en-GB"/>
@@ -1535,7 +1551,7 @@
           <a:p>
             <a:pPr lvl="0"/>
             <a:r>
-              <a:rPr lang="en-US" smtClean="0"/>
+              <a:rPr lang="en-US"/>
               <a:t>Click to edit Master text styles</a:t>
             </a:r>
           </a:p>
@@ -1602,7 +1618,7 @@
             <a:fld id="{A3CA8C23-D56E-4B5C-ADF9-974C318715BC}" type="slidenum">
               <a:rPr lang="en-GB" smtClean="0"/>
               <a:pPr/>
-              <a:t>‹#›</a:t>
+              <a:t>‹N°›</a:t>
             </a:fld>
             <a:endParaRPr lang="en-GB"/>
           </a:p>
@@ -1649,7 +1665,7 @@
           <a:lstStyle/>
           <a:p>
             <a:r>
-              <a:rPr lang="en-US" smtClean="0"/>
+              <a:rPr lang="en-US"/>
               <a:t>Click to edit Master title style</a:t>
             </a:r>
             <a:endParaRPr lang="en-GB"/>
@@ -1706,35 +1722,35 @@
           <a:p>
             <a:pPr lvl="0"/>
             <a:r>
-              <a:rPr lang="en-US" smtClean="0"/>
+              <a:rPr lang="en-US"/>
               <a:t>Click to edit Master text styles</a:t>
             </a:r>
           </a:p>
           <a:p>
             <a:pPr lvl="1"/>
             <a:r>
-              <a:rPr lang="en-US" smtClean="0"/>
+              <a:rPr lang="en-US"/>
               <a:t>Second level</a:t>
             </a:r>
           </a:p>
           <a:p>
             <a:pPr lvl="2"/>
             <a:r>
-              <a:rPr lang="en-US" smtClean="0"/>
+              <a:rPr lang="en-US"/>
               <a:t>Third level</a:t>
             </a:r>
           </a:p>
           <a:p>
             <a:pPr lvl="3"/>
             <a:r>
-              <a:rPr lang="en-US" smtClean="0"/>
+              <a:rPr lang="en-US"/>
               <a:t>Fourth level</a:t>
             </a:r>
           </a:p>
           <a:p>
             <a:pPr lvl="4"/>
             <a:r>
-              <a:rPr lang="en-US" smtClean="0"/>
+              <a:rPr lang="en-US"/>
               <a:t>Fifth level</a:t>
             </a:r>
             <a:endParaRPr lang="en-GB"/>
@@ -1791,35 +1807,35 @@
           <a:p>
             <a:pPr lvl="0"/>
             <a:r>
-              <a:rPr lang="en-US" smtClean="0"/>
+              <a:rPr lang="en-US"/>
               <a:t>Click to edit Master text styles</a:t>
             </a:r>
           </a:p>
           <a:p>
             <a:pPr lvl="1"/>
             <a:r>
-              <a:rPr lang="en-US" smtClean="0"/>
+              <a:rPr lang="en-US"/>
               <a:t>Second level</a:t>
             </a:r>
           </a:p>
           <a:p>
             <a:pPr lvl="2"/>
             <a:r>
-              <a:rPr lang="en-US" smtClean="0"/>
+              <a:rPr lang="en-US"/>
               <a:t>Third level</a:t>
             </a:r>
           </a:p>
           <a:p>
             <a:pPr lvl="3"/>
             <a:r>
-              <a:rPr lang="en-US" smtClean="0"/>
+              <a:rPr lang="en-US"/>
               <a:t>Fourth level</a:t>
             </a:r>
           </a:p>
           <a:p>
             <a:pPr lvl="4"/>
             <a:r>
-              <a:rPr lang="en-US" smtClean="0"/>
+              <a:rPr lang="en-US"/>
               <a:t>Fifth level</a:t>
             </a:r>
             <a:endParaRPr lang="en-GB"/>
@@ -1887,7 +1903,7 @@
             <a:fld id="{A3CA8C23-D56E-4B5C-ADF9-974C318715BC}" type="slidenum">
               <a:rPr lang="en-GB" smtClean="0"/>
               <a:pPr/>
-              <a:t>‹#›</a:t>
+              <a:t>‹N°›</a:t>
             </a:fld>
             <a:endParaRPr lang="en-GB"/>
           </a:p>
@@ -1938,7 +1954,7 @@
           </a:lstStyle>
           <a:p>
             <a:r>
-              <a:rPr lang="en-US" smtClean="0"/>
+              <a:rPr lang="en-US"/>
               <a:t>Click to edit Master title style</a:t>
             </a:r>
             <a:endParaRPr lang="en-GB"/>
@@ -2004,7 +2020,7 @@
           <a:p>
             <a:pPr lvl="0"/>
             <a:r>
-              <a:rPr lang="en-US" smtClean="0"/>
+              <a:rPr lang="en-US"/>
               <a:t>Click to edit Master text styles</a:t>
             </a:r>
           </a:p>
@@ -2060,35 +2076,35 @@
           <a:p>
             <a:pPr lvl="0"/>
             <a:r>
-              <a:rPr lang="en-US" smtClean="0"/>
+              <a:rPr lang="en-US"/>
               <a:t>Click to edit Master text styles</a:t>
             </a:r>
           </a:p>
           <a:p>
             <a:pPr lvl="1"/>
             <a:r>
-              <a:rPr lang="en-US" smtClean="0"/>
+              <a:rPr lang="en-US"/>
               <a:t>Second level</a:t>
             </a:r>
           </a:p>
           <a:p>
             <a:pPr lvl="2"/>
             <a:r>
-              <a:rPr lang="en-US" smtClean="0"/>
+              <a:rPr lang="en-US"/>
               <a:t>Third level</a:t>
             </a:r>
           </a:p>
           <a:p>
             <a:pPr lvl="3"/>
             <a:r>
-              <a:rPr lang="en-US" smtClean="0"/>
+              <a:rPr lang="en-US"/>
               <a:t>Fourth level</a:t>
             </a:r>
           </a:p>
           <a:p>
             <a:pPr lvl="4"/>
             <a:r>
-              <a:rPr lang="en-US" smtClean="0"/>
+              <a:rPr lang="en-US"/>
               <a:t>Fifth level</a:t>
             </a:r>
             <a:endParaRPr lang="en-GB"/>
@@ -2154,7 +2170,7 @@
           <a:p>
             <a:pPr lvl="0"/>
             <a:r>
-              <a:rPr lang="en-US" smtClean="0"/>
+              <a:rPr lang="en-US"/>
               <a:t>Click to edit Master text styles</a:t>
             </a:r>
           </a:p>
@@ -2210,35 +2226,35 @@
           <a:p>
             <a:pPr lvl="0"/>
             <a:r>
-              <a:rPr lang="en-US" smtClean="0"/>
+              <a:rPr lang="en-US"/>
               <a:t>Click to edit Master text styles</a:t>
             </a:r>
           </a:p>
           <a:p>
             <a:pPr lvl="1"/>
             <a:r>
-              <a:rPr lang="en-US" smtClean="0"/>
+              <a:rPr lang="en-US"/>
               <a:t>Second level</a:t>
             </a:r>
           </a:p>
           <a:p>
             <a:pPr lvl="2"/>
             <a:r>
-              <a:rPr lang="en-US" smtClean="0"/>
+              <a:rPr lang="en-US"/>
               <a:t>Third level</a:t>
             </a:r>
           </a:p>
           <a:p>
             <a:pPr lvl="3"/>
             <a:r>
-              <a:rPr lang="en-US" smtClean="0"/>
+              <a:rPr lang="en-US"/>
               <a:t>Fourth level</a:t>
             </a:r>
           </a:p>
           <a:p>
             <a:pPr lvl="4"/>
             <a:r>
-              <a:rPr lang="en-US" smtClean="0"/>
+              <a:rPr lang="en-US"/>
               <a:t>Fifth level</a:t>
             </a:r>
             <a:endParaRPr lang="en-GB"/>
@@ -2306,7 +2322,7 @@
             <a:fld id="{A3CA8C23-D56E-4B5C-ADF9-974C318715BC}" type="slidenum">
               <a:rPr lang="en-GB" smtClean="0"/>
               <a:pPr/>
-              <a:t>‹#›</a:t>
+              <a:t>‹N°›</a:t>
             </a:fld>
             <a:endParaRPr lang="en-GB"/>
           </a:p>
@@ -2353,7 +2369,7 @@
           <a:lstStyle/>
           <a:p>
             <a:r>
-              <a:rPr lang="en-US" smtClean="0"/>
+              <a:rPr lang="en-US"/>
               <a:t>Click to edit Master title style</a:t>
             </a:r>
             <a:endParaRPr lang="en-GB"/>
@@ -2421,7 +2437,7 @@
             <a:fld id="{A3CA8C23-D56E-4B5C-ADF9-974C318715BC}" type="slidenum">
               <a:rPr lang="en-GB" smtClean="0"/>
               <a:pPr/>
-              <a:t>‹#›</a:t>
+              <a:t>‹N°›</a:t>
             </a:fld>
             <a:endParaRPr lang="en-GB"/>
           </a:p>
@@ -2513,7 +2529,7 @@
             <a:fld id="{A3CA8C23-D56E-4B5C-ADF9-974C318715BC}" type="slidenum">
               <a:rPr lang="en-GB" smtClean="0"/>
               <a:pPr/>
-              <a:t>‹#›</a:t>
+              <a:t>‹N°›</a:t>
             </a:fld>
             <a:endParaRPr lang="en-GB"/>
           </a:p>
@@ -2569,7 +2585,7 @@
           </a:lstStyle>
           <a:p>
             <a:r>
-              <a:rPr lang="en-US" smtClean="0"/>
+              <a:rPr lang="en-US"/>
               <a:t>Click to edit Master title style</a:t>
             </a:r>
             <a:endParaRPr lang="en-GB"/>
@@ -2626,35 +2642,35 @@
           <a:p>
             <a:pPr lvl="0"/>
             <a:r>
-              <a:rPr lang="en-US" smtClean="0"/>
+              <a:rPr lang="en-US"/>
               <a:t>Click to edit Master text styles</a:t>
             </a:r>
           </a:p>
           <a:p>
             <a:pPr lvl="1"/>
             <a:r>
-              <a:rPr lang="en-US" smtClean="0"/>
+              <a:rPr lang="en-US"/>
               <a:t>Second level</a:t>
             </a:r>
           </a:p>
           <a:p>
             <a:pPr lvl="2"/>
             <a:r>
-              <a:rPr lang="en-US" smtClean="0"/>
+              <a:rPr lang="en-US"/>
               <a:t>Third level</a:t>
             </a:r>
           </a:p>
           <a:p>
             <a:pPr lvl="3"/>
             <a:r>
-              <a:rPr lang="en-US" smtClean="0"/>
+              <a:rPr lang="en-US"/>
               <a:t>Fourth level</a:t>
             </a:r>
           </a:p>
           <a:p>
             <a:pPr lvl="4"/>
             <a:r>
-              <a:rPr lang="en-US" smtClean="0"/>
+              <a:rPr lang="en-US"/>
               <a:t>Fifth level</a:t>
             </a:r>
             <a:endParaRPr lang="en-GB"/>
@@ -2720,7 +2736,7 @@
           <a:p>
             <a:pPr lvl="0"/>
             <a:r>
-              <a:rPr lang="en-US" smtClean="0"/>
+              <a:rPr lang="en-US"/>
               <a:t>Click to edit Master text styles</a:t>
             </a:r>
           </a:p>
@@ -2787,7 +2803,7 @@
             <a:fld id="{A3CA8C23-D56E-4B5C-ADF9-974C318715BC}" type="slidenum">
               <a:rPr lang="en-GB" smtClean="0"/>
               <a:pPr/>
-              <a:t>‹#›</a:t>
+              <a:t>‹N°›</a:t>
             </a:fld>
             <a:endParaRPr lang="en-GB"/>
           </a:p>
@@ -2843,7 +2859,7 @@
           </a:lstStyle>
           <a:p>
             <a:r>
-              <a:rPr lang="en-US" smtClean="0"/>
+              <a:rPr lang="en-US"/>
               <a:t>Click to edit Master title style</a:t>
             </a:r>
             <a:endParaRPr lang="en-GB"/>
@@ -2970,7 +2986,7 @@
           <a:p>
             <a:pPr lvl="0"/>
             <a:r>
-              <a:rPr lang="en-US" smtClean="0"/>
+              <a:rPr lang="en-US"/>
               <a:t>Click to edit Master text styles</a:t>
             </a:r>
           </a:p>
@@ -3037,7 +3053,7 @@
             <a:fld id="{A3CA8C23-D56E-4B5C-ADF9-974C318715BC}" type="slidenum">
               <a:rPr lang="en-GB" smtClean="0"/>
               <a:pPr/>
-              <a:t>‹#›</a:t>
+              <a:t>‹N°›</a:t>
             </a:fld>
             <a:endParaRPr lang="en-GB"/>
           </a:p>
@@ -3099,7 +3115,7 @@
           <a:lstStyle/>
           <a:p>
             <a:r>
-              <a:rPr lang="en-US" smtClean="0"/>
+              <a:rPr lang="en-US"/>
               <a:t>Click to edit Master title style</a:t>
             </a:r>
             <a:endParaRPr lang="en-GB"/>
@@ -3133,35 +3149,35 @@
           <a:p>
             <a:pPr lvl="0"/>
             <a:r>
-              <a:rPr lang="en-US" smtClean="0"/>
+              <a:rPr lang="en-US"/>
               <a:t>Click to edit Master text styles</a:t>
             </a:r>
           </a:p>
           <a:p>
             <a:pPr lvl="1"/>
             <a:r>
-              <a:rPr lang="en-US" smtClean="0"/>
+              <a:rPr lang="en-US"/>
               <a:t>Second level</a:t>
             </a:r>
           </a:p>
           <a:p>
             <a:pPr lvl="2"/>
             <a:r>
-              <a:rPr lang="en-US" smtClean="0"/>
+              <a:rPr lang="en-US"/>
               <a:t>Third level</a:t>
             </a:r>
           </a:p>
           <a:p>
             <a:pPr lvl="3"/>
             <a:r>
-              <a:rPr lang="en-US" smtClean="0"/>
+              <a:rPr lang="en-US"/>
               <a:t>Fourth level</a:t>
             </a:r>
           </a:p>
           <a:p>
             <a:pPr lvl="4"/>
             <a:r>
-              <a:rPr lang="en-US" smtClean="0"/>
+              <a:rPr lang="en-US"/>
               <a:t>Fifth level</a:t>
             </a:r>
             <a:endParaRPr lang="en-GB"/>
@@ -3283,7 +3299,7 @@
             <a:fld id="{A3CA8C23-D56E-4B5C-ADF9-974C318715BC}" type="slidenum">
               <a:rPr lang="en-GB" smtClean="0"/>
               <a:pPr/>
-              <a:t>‹#›</a:t>
+              <a:t>‹N°›</a:t>
             </a:fld>
             <a:endParaRPr lang="en-GB"/>
           </a:p>
@@ -3682,7 +3698,7 @@
           <a:lstStyle/>
           <a:p>
             <a:r>
-              <a:rPr lang="en-GB" b="1" smtClean="0">
+              <a:rPr lang="en-GB" b="1">
                 <a:solidFill>
                   <a:schemeClr val="tx1">
                     <a:lumMod val="75000"/>
@@ -3693,15 +3709,6 @@
               </a:rPr>
               <a:t>A</a:t>
             </a:r>
-            <a:endParaRPr lang="en-GB" b="1">
-              <a:solidFill>
-                <a:schemeClr val="tx1">
-                  <a:lumMod val="75000"/>
-                  <a:lumOff val="25000"/>
-                </a:schemeClr>
-              </a:solidFill>
-              <a:latin typeface="Helvetica" pitchFamily="34" charset="0"/>
-            </a:endParaRPr>
           </a:p>
         </p:txBody>
       </p:sp>
@@ -3728,7 +3735,7 @@
           <a:lstStyle/>
           <a:p>
             <a:r>
-              <a:rPr lang="en-GB" b="1" smtClean="0">
+              <a:rPr lang="en-GB" b="1">
                 <a:solidFill>
                   <a:schemeClr val="tx1">
                     <a:lumMod val="75000"/>
@@ -3739,15 +3746,6 @@
               </a:rPr>
               <a:t>B</a:t>
             </a:r>
-            <a:endParaRPr lang="en-GB" b="1">
-              <a:solidFill>
-                <a:schemeClr val="tx1">
-                  <a:lumMod val="75000"/>
-                  <a:lumOff val="25000"/>
-                </a:schemeClr>
-              </a:solidFill>
-              <a:latin typeface="Helvetica" pitchFamily="34" charset="0"/>
-            </a:endParaRPr>
           </a:p>
         </p:txBody>
       </p:sp>
@@ -3774,7 +3772,7 @@
           <a:lstStyle/>
           <a:p>
             <a:r>
-              <a:rPr lang="en-GB" b="1" smtClean="0">
+              <a:rPr lang="en-GB" b="1">
                 <a:solidFill>
                   <a:schemeClr val="tx1">
                     <a:lumMod val="75000"/>
@@ -3785,15 +3783,6 @@
               </a:rPr>
               <a:t>C</a:t>
             </a:r>
-            <a:endParaRPr lang="en-GB" b="1">
-              <a:solidFill>
-                <a:schemeClr val="tx1">
-                  <a:lumMod val="75000"/>
-                  <a:lumOff val="25000"/>
-                </a:schemeClr>
-              </a:solidFill>
-              <a:latin typeface="Helvetica" pitchFamily="34" charset="0"/>
-            </a:endParaRPr>
           </a:p>
         </p:txBody>
       </p:sp>
@@ -3820,7 +3809,7 @@
           <a:lstStyle/>
           <a:p>
             <a:r>
-              <a:rPr lang="en-GB" b="1" smtClean="0">
+              <a:rPr lang="en-GB" b="1">
                 <a:solidFill>
                   <a:schemeClr val="tx1">
                     <a:lumMod val="75000"/>
@@ -3831,15 +3820,6 @@
               </a:rPr>
               <a:t>D</a:t>
             </a:r>
-            <a:endParaRPr lang="en-GB" b="1">
-              <a:solidFill>
-                <a:schemeClr val="tx1">
-                  <a:lumMod val="75000"/>
-                  <a:lumOff val="25000"/>
-                </a:schemeClr>
-              </a:solidFill>
-              <a:latin typeface="Helvetica" pitchFamily="34" charset="0"/>
-            </a:endParaRPr>
           </a:p>
         </p:txBody>
       </p:sp>
@@ -3866,7 +3846,7 @@
           <a:lstStyle/>
           <a:p>
             <a:r>
-              <a:rPr lang="en-GB" b="1" smtClean="0">
+              <a:rPr lang="en-GB" b="1">
                 <a:solidFill>
                   <a:schemeClr val="tx1">
                     <a:lumMod val="75000"/>
@@ -3877,15 +3857,6 @@
               </a:rPr>
               <a:t>E</a:t>
             </a:r>
-            <a:endParaRPr lang="en-GB" b="1">
-              <a:solidFill>
-                <a:schemeClr val="tx1">
-                  <a:lumMod val="75000"/>
-                  <a:lumOff val="25000"/>
-                </a:schemeClr>
-              </a:solidFill>
-              <a:latin typeface="Helvetica" pitchFamily="34" charset="0"/>
-            </a:endParaRPr>
           </a:p>
         </p:txBody>
       </p:sp>
@@ -3912,7 +3883,7 @@
           <a:lstStyle/>
           <a:p>
             <a:r>
-              <a:rPr lang="en-GB" b="1" smtClean="0">
+              <a:rPr lang="en-GB" b="1">
                 <a:solidFill>
                   <a:schemeClr val="tx1">
                     <a:lumMod val="75000"/>
@@ -3923,15 +3894,6 @@
               </a:rPr>
               <a:t>F</a:t>
             </a:r>
-            <a:endParaRPr lang="en-GB" b="1">
-              <a:solidFill>
-                <a:schemeClr val="tx1">
-                  <a:lumMod val="75000"/>
-                  <a:lumOff val="25000"/>
-                </a:schemeClr>
-              </a:solidFill>
-              <a:latin typeface="Helvetica" pitchFamily="34" charset="0"/>
-            </a:endParaRPr>
           </a:p>
         </p:txBody>
       </p:sp>
@@ -3966,7 +3928,13 @@
           <p:cNvGraphicFramePr>
             <a:graphicFrameLocks noChangeAspect="1"/>
           </p:cNvGraphicFramePr>
-          <p:nvPr/>
+          <p:nvPr>
+            <p:extLst>
+              <p:ext uri="{D42A27DB-BD31-4B8C-83A1-F6EECF244321}">
+                <p14:modId xmlns:p14="http://schemas.microsoft.com/office/powerpoint/2010/main" val="2415525568"/>
+              </p:ext>
+            </p:extLst>
+          </p:nvPr>
         </p:nvGraphicFramePr>
         <p:xfrm>
           <a:off x="4860032" y="3627022"/>
@@ -3974,9 +3942,82 @@
         </p:xfrm>
         <a:graphic>
           <a:graphicData uri="http://schemas.openxmlformats.org/presentationml/2006/ole">
-            <p:oleObj spid="_x0000_s1027" name="Acrobat Document" r:id="rId4" imgW="5333872" imgH="4000372" progId="AcroExch.Document.DC">
-              <p:embed/>
-            </p:oleObj>
+            <mc:AlternateContent xmlns:mc="http://schemas.openxmlformats.org/markup-compatibility/2006">
+              <mc:Choice xmlns:v="urn:schemas-microsoft-com:vml" Requires="v">
+                <p:oleObj spid="_x0000_s1029" name="Acrobat Document" r:id="rId4" imgW="5333872" imgH="4000372" progId="AcroExch.Document.DC">
+                  <p:embed/>
+                </p:oleObj>
+              </mc:Choice>
+              <mc:Fallback>
+                <p:oleObj name="Acrobat Document" r:id="rId4" imgW="5333872" imgH="4000372" progId="AcroExch.Document.DC">
+                  <p:embed/>
+                  <p:pic>
+                    <p:nvPicPr>
+                      <p:cNvPr id="0" name="Picture 3"/>
+                      <p:cNvPicPr>
+                        <a:picLocks noChangeAspect="1" noChangeArrowheads="1"/>
+                      </p:cNvPicPr>
+                      <p:nvPr/>
+                    </p:nvPicPr>
+                    <p:blipFill>
+                      <a:blip r:embed="rId5">
+                        <a:extLst>
+                          <a:ext uri="{28A0092B-C50C-407E-A947-70E740481C1C}">
+                            <a14:useLocalDpi xmlns:a14="http://schemas.microsoft.com/office/drawing/2010/main" val="0"/>
+                          </a:ext>
+                        </a:extLst>
+                      </a:blip>
+                      <a:srcRect/>
+                      <a:stretch>
+                        <a:fillRect/>
+                      </a:stretch>
+                    </p:blipFill>
+                    <p:spPr bwMode="auto">
+                      <a:xfrm>
+                        <a:off x="4860032" y="3627022"/>
+                        <a:ext cx="3672408" cy="2754306"/>
+                      </a:xfrm>
+                      <a:prstGeom prst="rect">
+                        <a:avLst/>
+                      </a:prstGeom>
+                      <a:noFill/>
+                      <a:ln>
+                        <a:noFill/>
+                      </a:ln>
+                      <a:effectLst/>
+                      <a:extLst>
+                        <a:ext uri="{909E8E84-426E-40DD-AFC4-6F175D3DCCD1}">
+                          <a14:hiddenFill xmlns:a14="http://schemas.microsoft.com/office/drawing/2010/main">
+                            <a:solidFill>
+                              <a:schemeClr val="accent1"/>
+                            </a:solidFill>
+                          </a14:hiddenFill>
+                        </a:ext>
+                        <a:ext uri="{91240B29-F687-4F45-9708-019B960494DF}">
+                          <a14:hiddenLine xmlns:a14="http://schemas.microsoft.com/office/drawing/2010/main" w="9525">
+                            <a:solidFill>
+                              <a:schemeClr val="tx1"/>
+                            </a:solidFill>
+                            <a:miter lim="800000"/>
+                            <a:headEnd/>
+                            <a:tailEnd/>
+                          </a14:hiddenLine>
+                        </a:ext>
+                        <a:ext uri="{AF507438-7753-43E0-B8FC-AC1667EBCBE1}">
+                          <a14:hiddenEffects xmlns:a14="http://schemas.microsoft.com/office/drawing/2010/main">
+                            <a:effectLst>
+                              <a:outerShdw dist="35921" dir="2700000" algn="ctr" rotWithShape="0">
+                                <a:schemeClr val="bg2"/>
+                              </a:outerShdw>
+                            </a:effectLst>
+                          </a14:hiddenEffects>
+                        </a:ext>
+                      </a:extLst>
+                    </p:spPr>
+                  </p:pic>
+                </p:oleObj>
+              </mc:Fallback>
+            </mc:AlternateContent>
           </a:graphicData>
         </a:graphic>
       </p:graphicFrame>
@@ -3986,7 +4027,13 @@
           <p:cNvGraphicFramePr>
             <a:graphicFrameLocks noChangeAspect="1"/>
           </p:cNvGraphicFramePr>
-          <p:nvPr/>
+          <p:nvPr>
+            <p:extLst>
+              <p:ext uri="{D42A27DB-BD31-4B8C-83A1-F6EECF244321}">
+                <p14:modId xmlns:p14="http://schemas.microsoft.com/office/powerpoint/2010/main" val="4001705560"/>
+              </p:ext>
+            </p:extLst>
+          </p:nvPr>
         </p:nvGraphicFramePr>
         <p:xfrm>
           <a:off x="4788024" y="510648"/>
@@ -3994,9 +4041,82 @@
         </p:xfrm>
         <a:graphic>
           <a:graphicData uri="http://schemas.openxmlformats.org/presentationml/2006/ole">
-            <p:oleObj spid="_x0000_s1028" name="Acrobat Document" r:id="rId5" imgW="5333872" imgH="4000372" progId="AcroExch.Document.DC">
-              <p:embed/>
-            </p:oleObj>
+            <mc:AlternateContent xmlns:mc="http://schemas.openxmlformats.org/markup-compatibility/2006">
+              <mc:Choice xmlns:v="urn:schemas-microsoft-com:vml" Requires="v">
+                <p:oleObj spid="_x0000_s1030" name="Acrobat Document" r:id="rId6" imgW="5333872" imgH="4000372" progId="AcroExch.Document.DC">
+                  <p:embed/>
+                </p:oleObj>
+              </mc:Choice>
+              <mc:Fallback>
+                <p:oleObj name="Acrobat Document" r:id="rId6" imgW="5333872" imgH="4000372" progId="AcroExch.Document.DC">
+                  <p:embed/>
+                  <p:pic>
+                    <p:nvPicPr>
+                      <p:cNvPr id="0" name="Picture 4"/>
+                      <p:cNvPicPr>
+                        <a:picLocks noChangeAspect="1" noChangeArrowheads="1"/>
+                      </p:cNvPicPr>
+                      <p:nvPr/>
+                    </p:nvPicPr>
+                    <p:blipFill>
+                      <a:blip r:embed="rId7">
+                        <a:extLst>
+                          <a:ext uri="{28A0092B-C50C-407E-A947-70E740481C1C}">
+                            <a14:useLocalDpi xmlns:a14="http://schemas.microsoft.com/office/drawing/2010/main" val="0"/>
+                          </a:ext>
+                        </a:extLst>
+                      </a:blip>
+                      <a:srcRect/>
+                      <a:stretch>
+                        <a:fillRect/>
+                      </a:stretch>
+                    </p:blipFill>
+                    <p:spPr bwMode="auto">
+                      <a:xfrm>
+                        <a:off x="4788024" y="510648"/>
+                        <a:ext cx="3891136" cy="2918352"/>
+                      </a:xfrm>
+                      <a:prstGeom prst="rect">
+                        <a:avLst/>
+                      </a:prstGeom>
+                      <a:noFill/>
+                      <a:ln>
+                        <a:noFill/>
+                      </a:ln>
+                      <a:effectLst/>
+                      <a:extLst>
+                        <a:ext uri="{909E8E84-426E-40DD-AFC4-6F175D3DCCD1}">
+                          <a14:hiddenFill xmlns:a14="http://schemas.microsoft.com/office/drawing/2010/main">
+                            <a:solidFill>
+                              <a:schemeClr val="accent1"/>
+                            </a:solidFill>
+                          </a14:hiddenFill>
+                        </a:ext>
+                        <a:ext uri="{91240B29-F687-4F45-9708-019B960494DF}">
+                          <a14:hiddenLine xmlns:a14="http://schemas.microsoft.com/office/drawing/2010/main" w="9525">
+                            <a:solidFill>
+                              <a:schemeClr val="tx1"/>
+                            </a:solidFill>
+                            <a:miter lim="800000"/>
+                            <a:headEnd/>
+                            <a:tailEnd/>
+                          </a14:hiddenLine>
+                        </a:ext>
+                        <a:ext uri="{AF507438-7753-43E0-B8FC-AC1667EBCBE1}">
+                          <a14:hiddenEffects xmlns:a14="http://schemas.microsoft.com/office/drawing/2010/main">
+                            <a:effectLst>
+                              <a:outerShdw dist="35921" dir="2700000" algn="ctr" rotWithShape="0">
+                                <a:schemeClr val="bg2"/>
+                              </a:outerShdw>
+                            </a:effectLst>
+                          </a14:hiddenEffects>
+                        </a:ext>
+                      </a:extLst>
+                    </p:spPr>
+                  </p:pic>
+                </p:oleObj>
+              </mc:Fallback>
+            </mc:AlternateContent>
           </a:graphicData>
         </a:graphic>
       </p:graphicFrame>
@@ -4009,7 +4129,7 @@
           <p:nvPr/>
         </p:nvPicPr>
         <p:blipFill>
-          <a:blip r:embed="rId6" cstate="print"/>
+          <a:blip r:embed="rId8" cstate="print"/>
           <a:srcRect t="5407" r="7868" b="4091"/>
           <a:stretch>
             <a:fillRect/>
@@ -4049,7 +4169,7 @@
           <a:lstStyle/>
           <a:p>
             <a:r>
-              <a:rPr lang="en-GB" b="1" smtClean="0">
+              <a:rPr lang="en-GB" b="1">
                 <a:solidFill>
                   <a:schemeClr val="tx1">
                     <a:lumMod val="75000"/>
@@ -4060,15 +4180,6 @@
               </a:rPr>
               <a:t>A</a:t>
             </a:r>
-            <a:endParaRPr lang="en-GB" b="1">
-              <a:solidFill>
-                <a:schemeClr val="tx1">
-                  <a:lumMod val="75000"/>
-                  <a:lumOff val="25000"/>
-                </a:schemeClr>
-              </a:solidFill>
-              <a:latin typeface="Helvetica" pitchFamily="34" charset="0"/>
-            </a:endParaRPr>
           </a:p>
         </p:txBody>
       </p:sp>
@@ -4095,7 +4206,7 @@
           <a:lstStyle/>
           <a:p>
             <a:r>
-              <a:rPr lang="en-GB" b="1" smtClean="0">
+              <a:rPr lang="en-GB" b="1">
                 <a:solidFill>
                   <a:schemeClr val="tx1">
                     <a:lumMod val="75000"/>
@@ -4106,15 +4217,6 @@
               </a:rPr>
               <a:t>B</a:t>
             </a:r>
-            <a:endParaRPr lang="en-GB" b="1">
-              <a:solidFill>
-                <a:schemeClr val="tx1">
-                  <a:lumMod val="75000"/>
-                  <a:lumOff val="25000"/>
-                </a:schemeClr>
-              </a:solidFill>
-              <a:latin typeface="Helvetica" pitchFamily="34" charset="0"/>
-            </a:endParaRPr>
           </a:p>
         </p:txBody>
       </p:sp>
@@ -4141,7 +4243,7 @@
           <a:lstStyle/>
           <a:p>
             <a:r>
-              <a:rPr lang="en-GB" b="1" smtClean="0">
+              <a:rPr lang="en-GB" b="1">
                 <a:solidFill>
                   <a:schemeClr val="tx1">
                     <a:lumMod val="75000"/>
@@ -4152,15 +4254,6 @@
               </a:rPr>
               <a:t>C</a:t>
             </a:r>
-            <a:endParaRPr lang="en-GB" b="1">
-              <a:solidFill>
-                <a:schemeClr val="tx1">
-                  <a:lumMod val="75000"/>
-                  <a:lumOff val="25000"/>
-                </a:schemeClr>
-              </a:solidFill>
-              <a:latin typeface="Helvetica" pitchFamily="34" charset="0"/>
-            </a:endParaRPr>
           </a:p>
         </p:txBody>
       </p:sp>
@@ -4316,7 +4409,7 @@
           <a:lstStyle/>
           <a:p>
             <a:r>
-              <a:rPr lang="en-GB" b="1" smtClean="0">
+              <a:rPr lang="en-GB" b="1">
                 <a:solidFill>
                   <a:schemeClr val="tx1">
                     <a:lumMod val="75000"/>
@@ -4327,15 +4420,6 @@
               </a:rPr>
               <a:t>A</a:t>
             </a:r>
-            <a:endParaRPr lang="en-GB" b="1">
-              <a:solidFill>
-                <a:schemeClr val="tx1">
-                  <a:lumMod val="75000"/>
-                  <a:lumOff val="25000"/>
-                </a:schemeClr>
-              </a:solidFill>
-              <a:latin typeface="Helvetica" pitchFamily="34" charset="0"/>
-            </a:endParaRPr>
           </a:p>
         </p:txBody>
       </p:sp>
@@ -4362,7 +4446,7 @@
           <a:lstStyle/>
           <a:p>
             <a:r>
-              <a:rPr lang="en-GB" b="1" smtClean="0">
+              <a:rPr lang="en-GB" b="1">
                 <a:solidFill>
                   <a:schemeClr val="tx1">
                     <a:lumMod val="75000"/>
@@ -4373,15 +4457,6 @@
               </a:rPr>
               <a:t>B</a:t>
             </a:r>
-            <a:endParaRPr lang="en-GB" b="1">
-              <a:solidFill>
-                <a:schemeClr val="tx1">
-                  <a:lumMod val="75000"/>
-                  <a:lumOff val="25000"/>
-                </a:schemeClr>
-              </a:solidFill>
-              <a:latin typeface="Helvetica" pitchFamily="34" charset="0"/>
-            </a:endParaRPr>
           </a:p>
         </p:txBody>
       </p:sp>
@@ -4408,7 +4483,7 @@
           <a:lstStyle/>
           <a:p>
             <a:r>
-              <a:rPr lang="en-GB" b="1" smtClean="0">
+              <a:rPr lang="en-GB" b="1">
                 <a:solidFill>
                   <a:schemeClr val="tx1">
                     <a:lumMod val="75000"/>
@@ -4419,15 +4494,6 @@
               </a:rPr>
               <a:t>C</a:t>
             </a:r>
-            <a:endParaRPr lang="en-GB" b="1">
-              <a:solidFill>
-                <a:schemeClr val="tx1">
-                  <a:lumMod val="75000"/>
-                  <a:lumOff val="25000"/>
-                </a:schemeClr>
-              </a:solidFill>
-              <a:latin typeface="Helvetica" pitchFamily="34" charset="0"/>
-            </a:endParaRPr>
           </a:p>
         </p:txBody>
       </p:sp>
@@ -4454,7 +4520,7 @@
           <a:lstStyle/>
           <a:p>
             <a:r>
-              <a:rPr lang="en-GB" b="1" smtClean="0">
+              <a:rPr lang="en-GB" b="1">
                 <a:solidFill>
                   <a:schemeClr val="tx1">
                     <a:lumMod val="75000"/>
@@ -4465,15 +4531,6 @@
               </a:rPr>
               <a:t>D</a:t>
             </a:r>
-            <a:endParaRPr lang="en-GB" b="1">
-              <a:solidFill>
-                <a:schemeClr val="tx1">
-                  <a:lumMod val="75000"/>
-                  <a:lumOff val="25000"/>
-                </a:schemeClr>
-              </a:solidFill>
-              <a:latin typeface="Helvetica" pitchFamily="34" charset="0"/>
-            </a:endParaRPr>
           </a:p>
         </p:txBody>
       </p:sp>
@@ -4629,7 +4686,7 @@
           <a:lstStyle/>
           <a:p>
             <a:r>
-              <a:rPr lang="en-GB" b="1" smtClean="0">
+              <a:rPr lang="en-GB" b="1">
                 <a:solidFill>
                   <a:schemeClr val="tx1">
                     <a:lumMod val="75000"/>
@@ -4640,15 +4697,6 @@
               </a:rPr>
               <a:t>A</a:t>
             </a:r>
-            <a:endParaRPr lang="en-GB" b="1">
-              <a:solidFill>
-                <a:schemeClr val="tx1">
-                  <a:lumMod val="75000"/>
-                  <a:lumOff val="25000"/>
-                </a:schemeClr>
-              </a:solidFill>
-              <a:latin typeface="Helvetica" pitchFamily="34" charset="0"/>
-            </a:endParaRPr>
           </a:p>
         </p:txBody>
       </p:sp>
@@ -4675,7 +4723,7 @@
           <a:lstStyle/>
           <a:p>
             <a:r>
-              <a:rPr lang="en-GB" b="1" smtClean="0">
+              <a:rPr lang="en-GB" b="1">
                 <a:solidFill>
                   <a:schemeClr val="tx1">
                     <a:lumMod val="75000"/>
@@ -4686,15 +4734,6 @@
               </a:rPr>
               <a:t>B</a:t>
             </a:r>
-            <a:endParaRPr lang="en-GB" b="1">
-              <a:solidFill>
-                <a:schemeClr val="tx1">
-                  <a:lumMod val="75000"/>
-                  <a:lumOff val="25000"/>
-                </a:schemeClr>
-              </a:solidFill>
-              <a:latin typeface="Helvetica" pitchFamily="34" charset="0"/>
-            </a:endParaRPr>
           </a:p>
         </p:txBody>
       </p:sp>
@@ -4721,7 +4760,7 @@
           <a:lstStyle/>
           <a:p>
             <a:r>
-              <a:rPr lang="en-GB" b="1" smtClean="0">
+              <a:rPr lang="en-GB" b="1">
                 <a:solidFill>
                   <a:schemeClr val="tx1">
                     <a:lumMod val="75000"/>
@@ -4732,15 +4771,6 @@
               </a:rPr>
               <a:t>C</a:t>
             </a:r>
-            <a:endParaRPr lang="en-GB" b="1">
-              <a:solidFill>
-                <a:schemeClr val="tx1">
-                  <a:lumMod val="75000"/>
-                  <a:lumOff val="25000"/>
-                </a:schemeClr>
-              </a:solidFill>
-              <a:latin typeface="Helvetica" pitchFamily="34" charset="0"/>
-            </a:endParaRPr>
           </a:p>
         </p:txBody>
       </p:sp>
@@ -4767,7 +4797,7 @@
           <a:lstStyle/>
           <a:p>
             <a:r>
-              <a:rPr lang="en-GB" b="1" smtClean="0">
+              <a:rPr lang="en-GB" b="1">
                 <a:solidFill>
                   <a:schemeClr val="tx1">
                     <a:lumMod val="75000"/>
@@ -4778,15 +4808,6 @@
               </a:rPr>
               <a:t>D</a:t>
             </a:r>
-            <a:endParaRPr lang="en-GB" b="1">
-              <a:solidFill>
-                <a:schemeClr val="tx1">
-                  <a:lumMod val="75000"/>
-                  <a:lumOff val="25000"/>
-                </a:schemeClr>
-              </a:solidFill>
-              <a:latin typeface="Helvetica" pitchFamily="34" charset="0"/>
-            </a:endParaRPr>
           </a:p>
         </p:txBody>
       </p:sp>
